--- a/Presentations/01 - Introduction to Learning.pptx
+++ b/Presentations/01 - Introduction to Learning.pptx
@@ -5,7 +5,7 @@
     <p:sldMasterId id="2147483663" r:id="rId1"/>
   </p:sldMasterIdLst>
   <p:notesMasterIdLst>
-    <p:notesMasterId r:id="rId14"/>
+    <p:notesMasterId r:id="rId15"/>
   </p:notesMasterIdLst>
   <p:sldIdLst>
     <p:sldId id="256" r:id="rId2"/>
@@ -20,20 +20,21 @@
     <p:sldId id="351" r:id="rId11"/>
     <p:sldId id="353" r:id="rId12"/>
     <p:sldId id="354" r:id="rId13"/>
+    <p:sldId id="355" r:id="rId14"/>
   </p:sldIdLst>
   <p:sldSz cx="9144000" cy="5143500" type="screen16x9"/>
   <p:notesSz cx="6858000" cy="9144000"/>
   <p:embeddedFontLst>
     <p:embeddedFont>
       <p:font typeface="Arial Narrow" panose="020B0604020202020204" pitchFamily="34" charset="0"/>
-      <p:regular r:id="rId15"/>
-      <p:bold r:id="rId16"/>
-      <p:italic r:id="rId17"/>
-      <p:boldItalic r:id="rId18"/>
+      <p:regular r:id="rId16"/>
+      <p:bold r:id="rId17"/>
+      <p:italic r:id="rId18"/>
+      <p:boldItalic r:id="rId19"/>
     </p:embeddedFont>
     <p:embeddedFont>
       <p:font typeface="Cambria Math" panose="02040503050406030204" pitchFamily="18" charset="0"/>
-      <p:regular r:id="rId19"/>
+      <p:regular r:id="rId20"/>
     </p:embeddedFont>
   </p:embeddedFontLst>
   <p:defaultTextStyle>
@@ -843,7 +844,7 @@
           <a:lstStyle/>
           <a:p>
             <a:fld id="{383FCE59-ED68-1145-BEA5-66C22E95295E}" type="datetimeFigureOut">
-              <a:t>14.01.2024</a:t>
+              <a:t>16.07.2024</a:t>
             </a:fld>
             <a:endParaRPr lang="en-CH"/>
           </a:p>
@@ -1052,7 +1053,7 @@
           <a:lstStyle/>
           <a:p>
             <a:fld id="{383FCE59-ED68-1145-BEA5-66C22E95295E}" type="datetimeFigureOut">
-              <a:t>14.01.2024</a:t>
+              <a:t>16.07.2024</a:t>
             </a:fld>
             <a:endParaRPr lang="en-CH"/>
           </a:p>
@@ -1271,7 +1272,7 @@
           <a:lstStyle/>
           <a:p>
             <a:fld id="{383FCE59-ED68-1145-BEA5-66C22E95295E}" type="datetimeFigureOut">
-              <a:t>14.01.2024</a:t>
+              <a:t>16.07.2024</a:t>
             </a:fld>
             <a:endParaRPr lang="en-CH"/>
           </a:p>
@@ -1480,7 +1481,7 @@
           <a:lstStyle/>
           <a:p>
             <a:fld id="{383FCE59-ED68-1145-BEA5-66C22E95295E}" type="datetimeFigureOut">
-              <a:t>14.01.2024</a:t>
+              <a:t>16.07.2024</a:t>
             </a:fld>
             <a:endParaRPr lang="en-CH"/>
           </a:p>
@@ -1765,7 +1766,7 @@
           <a:lstStyle/>
           <a:p>
             <a:fld id="{383FCE59-ED68-1145-BEA5-66C22E95295E}" type="datetimeFigureOut">
-              <a:t>14.01.2024</a:t>
+              <a:t>16.07.2024</a:t>
             </a:fld>
             <a:endParaRPr lang="en-CH"/>
           </a:p>
@@ -2042,7 +2043,7 @@
           <a:lstStyle/>
           <a:p>
             <a:fld id="{383FCE59-ED68-1145-BEA5-66C22E95295E}" type="datetimeFigureOut">
-              <a:t>14.01.2024</a:t>
+              <a:t>16.07.2024</a:t>
             </a:fld>
             <a:endParaRPr lang="en-CH"/>
           </a:p>
@@ -2466,7 +2467,7 @@
           <a:lstStyle/>
           <a:p>
             <a:fld id="{383FCE59-ED68-1145-BEA5-66C22E95295E}" type="datetimeFigureOut">
-              <a:t>14.01.2024</a:t>
+              <a:t>16.07.2024</a:t>
             </a:fld>
             <a:endParaRPr lang="en-CH"/>
           </a:p>
@@ -2617,7 +2618,7 @@
           <a:lstStyle/>
           <a:p>
             <a:fld id="{383FCE59-ED68-1145-BEA5-66C22E95295E}" type="datetimeFigureOut">
-              <a:t>14.01.2024</a:t>
+              <a:t>16.07.2024</a:t>
             </a:fld>
             <a:endParaRPr lang="en-CH"/>
           </a:p>
@@ -2739,7 +2740,7 @@
           <a:lstStyle/>
           <a:p>
             <a:fld id="{383FCE59-ED68-1145-BEA5-66C22E95295E}" type="datetimeFigureOut">
-              <a:t>14.01.2024</a:t>
+              <a:t>16.07.2024</a:t>
             </a:fld>
             <a:endParaRPr lang="en-CH"/>
           </a:p>
@@ -3061,7 +3062,7 @@
           <a:lstStyle/>
           <a:p>
             <a:fld id="{383FCE59-ED68-1145-BEA5-66C22E95295E}" type="datetimeFigureOut">
-              <a:t>14.01.2024</a:t>
+              <a:t>16.07.2024</a:t>
             </a:fld>
             <a:endParaRPr lang="en-CH"/>
           </a:p>
@@ -3359,7 +3360,7 @@
           <a:lstStyle/>
           <a:p>
             <a:fld id="{383FCE59-ED68-1145-BEA5-66C22E95295E}" type="datetimeFigureOut">
-              <a:t>14.01.2024</a:t>
+              <a:t>16.07.2024</a:t>
             </a:fld>
             <a:endParaRPr lang="en-CH"/>
           </a:p>
@@ -3614,7 +3615,7 @@
             <a:fld id="{383FCE59-ED68-1145-BEA5-66C22E95295E}" type="datetimeFigureOut">
               <a:rPr lang="en-CH"/>
               <a:pPr/>
-              <a:t>14.01.2024</a:t>
+              <a:t>16.07.2024</a:t>
             </a:fld>
             <a:endParaRPr lang="en-CH"/>
           </a:p>
@@ -4141,6 +4142,71 @@
           </a:p>
         </p:txBody>
       </p:sp>
+      <p:sp>
+        <p:nvSpPr>
+          <p:cNvPr id="3" name="TextBox 2">
+            <a:extLst>
+              <a:ext uri="{FF2B5EF4-FFF2-40B4-BE49-F238E27FC236}">
+                <a16:creationId xmlns:a16="http://schemas.microsoft.com/office/drawing/2014/main" id="{EDFE33F8-843B-32FA-0AA1-479614162EBA}"/>
+              </a:ext>
+            </a:extLst>
+          </p:cNvPr>
+          <p:cNvSpPr txBox="1"/>
+          <p:nvPr/>
+        </p:nvSpPr>
+        <p:spPr>
+          <a:xfrm rot="16200000">
+            <a:off x="-1847624" y="2440944"/>
+            <a:ext cx="3956859" cy="261610"/>
+          </a:xfrm>
+          <a:prstGeom prst="rect">
+            <a:avLst/>
+          </a:prstGeom>
+          <a:noFill/>
+        </p:spPr>
+        <p:txBody>
+          <a:bodyPr wrap="square">
+            <a:spAutoFit/>
+          </a:bodyPr>
+          <a:lstStyle>
+            <a:defPPr>
+              <a:defRPr lang="en-CH"/>
+            </a:defPPr>
+            <a:lvl1pPr algn="ctr">
+              <a:spcBef>
+                <a:spcPts val="0"/>
+              </a:spcBef>
+              <a:defRPr sz="1050">
+                <a:solidFill>
+                  <a:schemeClr val="bg2">
+                    <a:lumMod val="75000"/>
+                  </a:schemeClr>
+                </a:solidFill>
+                <a:latin typeface="Arial" panose="020B0604020202020204" pitchFamily="34" charset="0"/>
+              </a:defRPr>
+            </a:lvl1pPr>
+          </a:lstStyle>
+          <a:p>
+            <a:r>
+              <a:rPr lang="en-GB" dirty="0"/>
+              <a:t>© </a:t>
+            </a:r>
+            <a:r>
+              <a:rPr lang="en-GB" dirty="0" err="1"/>
+              <a:t>Dr.</a:t>
+            </a:r>
+            <a:r>
+              <a:rPr lang="en-GB" dirty="0"/>
+              <a:t> Umberto Michelucci - </a:t>
+            </a:r>
+            <a:r>
+              <a:rPr lang="en-GB" dirty="0" err="1"/>
+              <a:t>umberto.michelucci@toelt.ai</a:t>
+            </a:r>
+            <a:endParaRPr lang="en-GB" dirty="0"/>
+          </a:p>
+        </p:txBody>
+      </p:sp>
     </p:spTree>
   </p:cSld>
   <p:clrMapOvr>
@@ -4191,6 +4257,71 @@
               <a:rPr lang="en-CH" dirty="0"/>
               <a:t>Learning is in its most fundamental form an optimisation problem</a:t>
             </a:r>
+          </a:p>
+        </p:txBody>
+      </p:sp>
+      <p:sp>
+        <p:nvSpPr>
+          <p:cNvPr id="3" name="TextBox 2">
+            <a:extLst>
+              <a:ext uri="{FF2B5EF4-FFF2-40B4-BE49-F238E27FC236}">
+                <a16:creationId xmlns:a16="http://schemas.microsoft.com/office/drawing/2014/main" id="{362F49C6-9F98-8480-B98F-A0A790BB583B}"/>
+              </a:ext>
+            </a:extLst>
+          </p:cNvPr>
+          <p:cNvSpPr txBox="1"/>
+          <p:nvPr/>
+        </p:nvSpPr>
+        <p:spPr>
+          <a:xfrm rot="16200000">
+            <a:off x="-1847624" y="2440944"/>
+            <a:ext cx="3956859" cy="261610"/>
+          </a:xfrm>
+          <a:prstGeom prst="rect">
+            <a:avLst/>
+          </a:prstGeom>
+          <a:noFill/>
+        </p:spPr>
+        <p:txBody>
+          <a:bodyPr wrap="square">
+            <a:spAutoFit/>
+          </a:bodyPr>
+          <a:lstStyle>
+            <a:defPPr>
+              <a:defRPr lang="en-CH"/>
+            </a:defPPr>
+            <a:lvl1pPr algn="ctr">
+              <a:spcBef>
+                <a:spcPts val="0"/>
+              </a:spcBef>
+              <a:defRPr sz="1050">
+                <a:solidFill>
+                  <a:schemeClr val="bg2">
+                    <a:lumMod val="75000"/>
+                  </a:schemeClr>
+                </a:solidFill>
+                <a:latin typeface="Arial" panose="020B0604020202020204" pitchFamily="34" charset="0"/>
+              </a:defRPr>
+            </a:lvl1pPr>
+          </a:lstStyle>
+          <a:p>
+            <a:r>
+              <a:rPr lang="en-GB" dirty="0"/>
+              <a:t>© </a:t>
+            </a:r>
+            <a:r>
+              <a:rPr lang="en-GB" dirty="0" err="1"/>
+              <a:t>Dr.</a:t>
+            </a:r>
+            <a:r>
+              <a:rPr lang="en-GB" dirty="0"/>
+              <a:t> Umberto Michelucci - </a:t>
+            </a:r>
+            <a:r>
+              <a:rPr lang="en-GB" dirty="0" err="1"/>
+              <a:t>umberto.michelucci@toelt.ai</a:t>
+            </a:r>
+            <a:endParaRPr lang="en-GB" dirty="0"/>
           </a:p>
         </p:txBody>
       </p:sp>
@@ -4297,6 +4428,71 @@
           </a:p>
         </p:txBody>
       </p:sp>
+      <p:sp>
+        <p:nvSpPr>
+          <p:cNvPr id="4" name="TextBox 3">
+            <a:extLst>
+              <a:ext uri="{FF2B5EF4-FFF2-40B4-BE49-F238E27FC236}">
+                <a16:creationId xmlns:a16="http://schemas.microsoft.com/office/drawing/2014/main" id="{60C09D9C-83B0-24B3-FCBE-CB3D5D659010}"/>
+              </a:ext>
+            </a:extLst>
+          </p:cNvPr>
+          <p:cNvSpPr txBox="1"/>
+          <p:nvPr/>
+        </p:nvSpPr>
+        <p:spPr>
+          <a:xfrm rot="16200000">
+            <a:off x="-1847624" y="2440944"/>
+            <a:ext cx="3956859" cy="261610"/>
+          </a:xfrm>
+          <a:prstGeom prst="rect">
+            <a:avLst/>
+          </a:prstGeom>
+          <a:noFill/>
+        </p:spPr>
+        <p:txBody>
+          <a:bodyPr wrap="square">
+            <a:spAutoFit/>
+          </a:bodyPr>
+          <a:lstStyle>
+            <a:defPPr>
+              <a:defRPr lang="en-CH"/>
+            </a:defPPr>
+            <a:lvl1pPr algn="ctr">
+              <a:spcBef>
+                <a:spcPts val="0"/>
+              </a:spcBef>
+              <a:defRPr sz="1050">
+                <a:solidFill>
+                  <a:schemeClr val="bg2">
+                    <a:lumMod val="75000"/>
+                  </a:schemeClr>
+                </a:solidFill>
+                <a:latin typeface="Arial" panose="020B0604020202020204" pitchFamily="34" charset="0"/>
+              </a:defRPr>
+            </a:lvl1pPr>
+          </a:lstStyle>
+          <a:p>
+            <a:r>
+              <a:rPr lang="en-GB" dirty="0"/>
+              <a:t>© </a:t>
+            </a:r>
+            <a:r>
+              <a:rPr lang="en-GB" dirty="0" err="1"/>
+              <a:t>Dr.</a:t>
+            </a:r>
+            <a:r>
+              <a:rPr lang="en-GB" dirty="0"/>
+              <a:t> Umberto Michelucci - </a:t>
+            </a:r>
+            <a:r>
+              <a:rPr lang="en-GB" dirty="0" err="1"/>
+              <a:t>umberto.michelucci@toelt.ai</a:t>
+            </a:r>
+            <a:endParaRPr lang="en-GB" dirty="0"/>
+          </a:p>
+        </p:txBody>
+      </p:sp>
     </p:spTree>
     <p:extLst>
       <p:ext uri="{BB962C8B-B14F-4D97-AF65-F5344CB8AC3E}">
@@ -4419,10 +4615,255 @@
           </a:p>
         </p:txBody>
       </p:sp>
+      <p:sp>
+        <p:nvSpPr>
+          <p:cNvPr id="4" name="TextBox 3">
+            <a:extLst>
+              <a:ext uri="{FF2B5EF4-FFF2-40B4-BE49-F238E27FC236}">
+                <a16:creationId xmlns:a16="http://schemas.microsoft.com/office/drawing/2014/main" id="{7F90E420-42EF-126D-63ED-DDC021D4DC79}"/>
+              </a:ext>
+            </a:extLst>
+          </p:cNvPr>
+          <p:cNvSpPr txBox="1"/>
+          <p:nvPr/>
+        </p:nvSpPr>
+        <p:spPr>
+          <a:xfrm rot="16200000">
+            <a:off x="-1847624" y="2440944"/>
+            <a:ext cx="3956859" cy="261610"/>
+          </a:xfrm>
+          <a:prstGeom prst="rect">
+            <a:avLst/>
+          </a:prstGeom>
+          <a:noFill/>
+        </p:spPr>
+        <p:txBody>
+          <a:bodyPr wrap="square">
+            <a:spAutoFit/>
+          </a:bodyPr>
+          <a:lstStyle>
+            <a:defPPr>
+              <a:defRPr lang="en-CH"/>
+            </a:defPPr>
+            <a:lvl1pPr algn="ctr">
+              <a:spcBef>
+                <a:spcPts val="0"/>
+              </a:spcBef>
+              <a:defRPr sz="1050">
+                <a:solidFill>
+                  <a:schemeClr val="bg2">
+                    <a:lumMod val="75000"/>
+                  </a:schemeClr>
+                </a:solidFill>
+                <a:latin typeface="Arial" panose="020B0604020202020204" pitchFamily="34" charset="0"/>
+              </a:defRPr>
+            </a:lvl1pPr>
+          </a:lstStyle>
+          <a:p>
+            <a:r>
+              <a:rPr lang="en-GB" dirty="0"/>
+              <a:t>© </a:t>
+            </a:r>
+            <a:r>
+              <a:rPr lang="en-GB" dirty="0" err="1"/>
+              <a:t>Dr.</a:t>
+            </a:r>
+            <a:r>
+              <a:rPr lang="en-GB" dirty="0"/>
+              <a:t> Umberto Michelucci - </a:t>
+            </a:r>
+            <a:r>
+              <a:rPr lang="en-GB" dirty="0" err="1"/>
+              <a:t>umberto.michelucci@toelt.ai</a:t>
+            </a:r>
+            <a:endParaRPr lang="en-GB" dirty="0"/>
+          </a:p>
+        </p:txBody>
+      </p:sp>
     </p:spTree>
     <p:extLst>
       <p:ext uri="{BB962C8B-B14F-4D97-AF65-F5344CB8AC3E}">
         <p14:creationId xmlns:p14="http://schemas.microsoft.com/office/powerpoint/2010/main" val="885943534"/>
+      </p:ext>
+    </p:extLst>
+  </p:cSld>
+  <p:clrMapOvr>
+    <a:masterClrMapping/>
+  </p:clrMapOvr>
+</p:sld>
+</file>
+
+<file path=ppt/slides/slide13.xml><?xml version="1.0" encoding="utf-8"?>
+<p:sld xmlns:a="http://schemas.openxmlformats.org/drawingml/2006/main" xmlns:r="http://schemas.openxmlformats.org/officeDocument/2006/relationships" xmlns:p="http://schemas.openxmlformats.org/presentationml/2006/main">
+  <p:cSld>
+    <p:spTree>
+      <p:nvGrpSpPr>
+        <p:cNvPr id="1" name=""/>
+        <p:cNvGrpSpPr/>
+        <p:nvPr/>
+      </p:nvGrpSpPr>
+      <p:grpSpPr>
+        <a:xfrm>
+          <a:off x="0" y="0"/>
+          <a:ext cx="0" cy="0"/>
+          <a:chOff x="0" y="0"/>
+          <a:chExt cx="0" cy="0"/>
+        </a:xfrm>
+      </p:grpSpPr>
+      <p:sp>
+        <p:nvSpPr>
+          <p:cNvPr id="2" name="Title 1">
+            <a:extLst>
+              <a:ext uri="{FF2B5EF4-FFF2-40B4-BE49-F238E27FC236}">
+                <a16:creationId xmlns:a16="http://schemas.microsoft.com/office/drawing/2014/main" id="{480FF7C5-CF57-25B7-E636-CA2176EBF5B3}"/>
+              </a:ext>
+            </a:extLst>
+          </p:cNvPr>
+          <p:cNvSpPr>
+            <a:spLocks noGrp="1"/>
+          </p:cNvSpPr>
+          <p:nvPr>
+            <p:ph type="title"/>
+          </p:nvPr>
+        </p:nvSpPr>
+        <p:spPr/>
+        <p:txBody>
+          <a:bodyPr/>
+          <a:lstStyle/>
+          <a:p>
+            <a:r>
+              <a:rPr lang="en-CH" dirty="0"/>
+              <a:t>Classification and Regression</a:t>
+            </a:r>
+          </a:p>
+        </p:txBody>
+      </p:sp>
+      <p:sp>
+        <p:nvSpPr>
+          <p:cNvPr id="3" name="Content Placeholder 2">
+            <a:extLst>
+              <a:ext uri="{FF2B5EF4-FFF2-40B4-BE49-F238E27FC236}">
+                <a16:creationId xmlns:a16="http://schemas.microsoft.com/office/drawing/2014/main" id="{85D7AD76-F98F-ADFF-6FA3-651522C1CB56}"/>
+              </a:ext>
+            </a:extLst>
+          </p:cNvPr>
+          <p:cNvSpPr>
+            <a:spLocks noGrp="1"/>
+          </p:cNvSpPr>
+          <p:nvPr>
+            <p:ph idx="1"/>
+          </p:nvPr>
+        </p:nvSpPr>
+        <p:spPr/>
+        <p:txBody>
+          <a:bodyPr/>
+          <a:lstStyle/>
+          <a:p>
+            <a:r>
+              <a:rPr lang="en-CH" dirty="0"/>
+              <a:t>Classification: the task of assigning a class (i.e. a color, a type of plant, etc.) to an object (image, data record, etc.)</a:t>
+            </a:r>
+          </a:p>
+          <a:p>
+            <a:r>
+              <a:rPr lang="en-CH" dirty="0"/>
+              <a:t>Regression: the task of predicting a continous variable (i.e. humidity percent, etc.)</a:t>
+            </a:r>
+          </a:p>
+        </p:txBody>
+      </p:sp>
+      <p:sp>
+        <p:nvSpPr>
+          <p:cNvPr id="4" name="TextBox 3">
+            <a:extLst>
+              <a:ext uri="{FF2B5EF4-FFF2-40B4-BE49-F238E27FC236}">
+                <a16:creationId xmlns:a16="http://schemas.microsoft.com/office/drawing/2014/main" id="{E38D4004-8CB9-822B-0F9A-CDCEE214FE00}"/>
+              </a:ext>
+            </a:extLst>
+          </p:cNvPr>
+          <p:cNvSpPr txBox="1"/>
+          <p:nvPr/>
+        </p:nvSpPr>
+        <p:spPr>
+          <a:xfrm rot="16200000">
+            <a:off x="-1847624" y="2440944"/>
+            <a:ext cx="3956859" cy="261610"/>
+          </a:xfrm>
+          <a:prstGeom prst="rect">
+            <a:avLst/>
+          </a:prstGeom>
+          <a:noFill/>
+        </p:spPr>
+        <p:txBody>
+          <a:bodyPr wrap="square">
+            <a:spAutoFit/>
+          </a:bodyPr>
+          <a:lstStyle/>
+          <a:p>
+            <a:pPr algn="ctr">
+              <a:spcBef>
+                <a:spcPts val="0"/>
+              </a:spcBef>
+            </a:pPr>
+            <a:r>
+              <a:rPr lang="en-GB" sz="1050" dirty="0">
+                <a:solidFill>
+                  <a:schemeClr val="bg2">
+                    <a:lumMod val="75000"/>
+                  </a:schemeClr>
+                </a:solidFill>
+                <a:latin typeface="Arial" panose="020B0604020202020204" pitchFamily="34" charset="0"/>
+              </a:rPr>
+              <a:t>© </a:t>
+            </a:r>
+            <a:r>
+              <a:rPr lang="en-GB" sz="1050" dirty="0" err="1">
+                <a:solidFill>
+                  <a:schemeClr val="bg2">
+                    <a:lumMod val="75000"/>
+                  </a:schemeClr>
+                </a:solidFill>
+                <a:latin typeface="Arial" panose="020B0604020202020204" pitchFamily="34" charset="0"/>
+              </a:rPr>
+              <a:t>Dr.</a:t>
+            </a:r>
+            <a:r>
+              <a:rPr lang="en-GB" sz="1050" dirty="0">
+                <a:solidFill>
+                  <a:schemeClr val="bg2">
+                    <a:lumMod val="75000"/>
+                  </a:schemeClr>
+                </a:solidFill>
+                <a:latin typeface="Arial" panose="020B0604020202020204" pitchFamily="34" charset="0"/>
+              </a:rPr>
+              <a:t> Umberto Michelucci - </a:t>
+            </a:r>
+            <a:r>
+              <a:rPr lang="en-GB" sz="1050" dirty="0" err="1">
+                <a:solidFill>
+                  <a:schemeClr val="bg2">
+                    <a:lumMod val="75000"/>
+                  </a:schemeClr>
+                </a:solidFill>
+                <a:latin typeface="Arial" panose="020B0604020202020204" pitchFamily="34" charset="0"/>
+              </a:rPr>
+              <a:t>umberto.michelucci@toelt.ai</a:t>
+            </a:r>
+            <a:endParaRPr lang="en-GB" sz="1050" dirty="0">
+              <a:solidFill>
+                <a:schemeClr val="bg2">
+                  <a:lumMod val="75000"/>
+                </a:schemeClr>
+              </a:solidFill>
+              <a:latin typeface="Arial" panose="020B0604020202020204" pitchFamily="34" charset="0"/>
+            </a:endParaRPr>
+          </a:p>
+        </p:txBody>
+      </p:sp>
+    </p:spTree>
+    <p:extLst>
+      <p:ext uri="{BB962C8B-B14F-4D97-AF65-F5344CB8AC3E}">
+        <p14:creationId xmlns:p14="http://schemas.microsoft.com/office/powerpoint/2010/main" val="3901166607"/>
       </p:ext>
     </p:extLst>
   </p:cSld>
@@ -4512,6 +4953,71 @@
           </a:p>
           <a:p>
             <a:endParaRPr lang="en-CH" dirty="0"/>
+          </a:p>
+        </p:txBody>
+      </p:sp>
+      <p:sp>
+        <p:nvSpPr>
+          <p:cNvPr id="4" name="TextBox 3">
+            <a:extLst>
+              <a:ext uri="{FF2B5EF4-FFF2-40B4-BE49-F238E27FC236}">
+                <a16:creationId xmlns:a16="http://schemas.microsoft.com/office/drawing/2014/main" id="{40AE615D-1F18-3E5C-B7D7-875CC5882711}"/>
+              </a:ext>
+            </a:extLst>
+          </p:cNvPr>
+          <p:cNvSpPr txBox="1"/>
+          <p:nvPr/>
+        </p:nvSpPr>
+        <p:spPr>
+          <a:xfrm rot="16200000">
+            <a:off x="-1847624" y="2440944"/>
+            <a:ext cx="3956859" cy="261610"/>
+          </a:xfrm>
+          <a:prstGeom prst="rect">
+            <a:avLst/>
+          </a:prstGeom>
+          <a:noFill/>
+        </p:spPr>
+        <p:txBody>
+          <a:bodyPr wrap="square">
+            <a:spAutoFit/>
+          </a:bodyPr>
+          <a:lstStyle>
+            <a:defPPr>
+              <a:defRPr lang="en-CH"/>
+            </a:defPPr>
+            <a:lvl1pPr algn="ctr">
+              <a:spcBef>
+                <a:spcPts val="0"/>
+              </a:spcBef>
+              <a:defRPr sz="1050">
+                <a:solidFill>
+                  <a:schemeClr val="bg2">
+                    <a:lumMod val="75000"/>
+                  </a:schemeClr>
+                </a:solidFill>
+                <a:latin typeface="Arial" panose="020B0604020202020204" pitchFamily="34" charset="0"/>
+              </a:defRPr>
+            </a:lvl1pPr>
+          </a:lstStyle>
+          <a:p>
+            <a:r>
+              <a:rPr lang="en-GB" dirty="0"/>
+              <a:t>© </a:t>
+            </a:r>
+            <a:r>
+              <a:rPr lang="en-GB" dirty="0" err="1"/>
+              <a:t>Dr.</a:t>
+            </a:r>
+            <a:r>
+              <a:rPr lang="en-GB" dirty="0"/>
+              <a:t> Umberto Michelucci - </a:t>
+            </a:r>
+            <a:r>
+              <a:rPr lang="en-GB" dirty="0" err="1"/>
+              <a:t>umberto.michelucci@toelt.ai</a:t>
+            </a:r>
+            <a:endParaRPr lang="en-GB" dirty="0"/>
           </a:p>
         </p:txBody>
       </p:sp>
@@ -4639,6 +5145,71 @@
           </a:p>
         </p:txBody>
       </p:sp>
+      <p:sp>
+        <p:nvSpPr>
+          <p:cNvPr id="2" name="TextBox 1">
+            <a:extLst>
+              <a:ext uri="{FF2B5EF4-FFF2-40B4-BE49-F238E27FC236}">
+                <a16:creationId xmlns:a16="http://schemas.microsoft.com/office/drawing/2014/main" id="{36F178B1-89EF-3029-B71B-53FC48C9D349}"/>
+              </a:ext>
+            </a:extLst>
+          </p:cNvPr>
+          <p:cNvSpPr txBox="1"/>
+          <p:nvPr/>
+        </p:nvSpPr>
+        <p:spPr>
+          <a:xfrm rot="16200000">
+            <a:off x="-1847624" y="2440944"/>
+            <a:ext cx="3956859" cy="261610"/>
+          </a:xfrm>
+          <a:prstGeom prst="rect">
+            <a:avLst/>
+          </a:prstGeom>
+          <a:noFill/>
+        </p:spPr>
+        <p:txBody>
+          <a:bodyPr wrap="square">
+            <a:spAutoFit/>
+          </a:bodyPr>
+          <a:lstStyle>
+            <a:defPPr>
+              <a:defRPr lang="en-CH"/>
+            </a:defPPr>
+            <a:lvl1pPr algn="ctr">
+              <a:spcBef>
+                <a:spcPts val="0"/>
+              </a:spcBef>
+              <a:defRPr sz="1050">
+                <a:solidFill>
+                  <a:schemeClr val="bg2">
+                    <a:lumMod val="75000"/>
+                  </a:schemeClr>
+                </a:solidFill>
+                <a:latin typeface="Arial" panose="020B0604020202020204" pitchFamily="34" charset="0"/>
+              </a:defRPr>
+            </a:lvl1pPr>
+          </a:lstStyle>
+          <a:p>
+            <a:r>
+              <a:rPr lang="en-GB" dirty="0"/>
+              <a:t>© </a:t>
+            </a:r>
+            <a:r>
+              <a:rPr lang="en-GB" dirty="0" err="1"/>
+              <a:t>Dr.</a:t>
+            </a:r>
+            <a:r>
+              <a:rPr lang="en-GB" dirty="0"/>
+              <a:t> Umberto Michelucci - </a:t>
+            </a:r>
+            <a:r>
+              <a:rPr lang="en-GB" dirty="0" err="1"/>
+              <a:t>umberto.michelucci@toelt.ai</a:t>
+            </a:r>
+            <a:endParaRPr lang="en-GB" dirty="0"/>
+          </a:p>
+        </p:txBody>
+      </p:sp>
     </p:spTree>
     <p:extLst>
       <p:ext uri="{BB962C8B-B14F-4D97-AF65-F5344CB8AC3E}">
@@ -4807,6 +5378,71 @@
           </a:p>
         </p:txBody>
       </p:sp>
+      <p:sp>
+        <p:nvSpPr>
+          <p:cNvPr id="2" name="TextBox 1">
+            <a:extLst>
+              <a:ext uri="{FF2B5EF4-FFF2-40B4-BE49-F238E27FC236}">
+                <a16:creationId xmlns:a16="http://schemas.microsoft.com/office/drawing/2014/main" id="{5BD93585-25A6-0BC7-50C0-737356B165CE}"/>
+              </a:ext>
+            </a:extLst>
+          </p:cNvPr>
+          <p:cNvSpPr txBox="1"/>
+          <p:nvPr/>
+        </p:nvSpPr>
+        <p:spPr>
+          <a:xfrm rot="16200000">
+            <a:off x="-1847624" y="2440944"/>
+            <a:ext cx="3956859" cy="261610"/>
+          </a:xfrm>
+          <a:prstGeom prst="rect">
+            <a:avLst/>
+          </a:prstGeom>
+          <a:noFill/>
+        </p:spPr>
+        <p:txBody>
+          <a:bodyPr wrap="square">
+            <a:spAutoFit/>
+          </a:bodyPr>
+          <a:lstStyle>
+            <a:defPPr>
+              <a:defRPr lang="en-CH"/>
+            </a:defPPr>
+            <a:lvl1pPr algn="ctr">
+              <a:spcBef>
+                <a:spcPts val="0"/>
+              </a:spcBef>
+              <a:defRPr sz="1050">
+                <a:solidFill>
+                  <a:schemeClr val="bg2">
+                    <a:lumMod val="75000"/>
+                  </a:schemeClr>
+                </a:solidFill>
+                <a:latin typeface="Arial" panose="020B0604020202020204" pitchFamily="34" charset="0"/>
+              </a:defRPr>
+            </a:lvl1pPr>
+          </a:lstStyle>
+          <a:p>
+            <a:r>
+              <a:rPr lang="en-GB" dirty="0"/>
+              <a:t>© </a:t>
+            </a:r>
+            <a:r>
+              <a:rPr lang="en-GB" dirty="0" err="1"/>
+              <a:t>Dr.</a:t>
+            </a:r>
+            <a:r>
+              <a:rPr lang="en-GB" dirty="0"/>
+              <a:t> Umberto Michelucci - </a:t>
+            </a:r>
+            <a:r>
+              <a:rPr lang="en-GB" dirty="0" err="1"/>
+              <a:t>umberto.michelucci@toelt.ai</a:t>
+            </a:r>
+            <a:endParaRPr lang="en-GB" dirty="0"/>
+          </a:p>
+        </p:txBody>
+      </p:sp>
     </p:spTree>
     <p:extLst>
       <p:ext uri="{BB962C8B-B14F-4D97-AF65-F5344CB8AC3E}">
@@ -5034,6 +5670,71 @@
               <a:t>Machine_learning</a:t>
             </a:r>
             <a:endParaRPr lang="en-CH" sz="1050" dirty="0"/>
+          </a:p>
+        </p:txBody>
+      </p:sp>
+      <p:sp>
+        <p:nvSpPr>
+          <p:cNvPr id="2" name="TextBox 1">
+            <a:extLst>
+              <a:ext uri="{FF2B5EF4-FFF2-40B4-BE49-F238E27FC236}">
+                <a16:creationId xmlns:a16="http://schemas.microsoft.com/office/drawing/2014/main" id="{1ABB4383-B2B1-5BDB-E90F-92B3D7F83DA4}"/>
+              </a:ext>
+            </a:extLst>
+          </p:cNvPr>
+          <p:cNvSpPr txBox="1"/>
+          <p:nvPr/>
+        </p:nvSpPr>
+        <p:spPr>
+          <a:xfrm rot="16200000">
+            <a:off x="-1847624" y="2440944"/>
+            <a:ext cx="3956859" cy="261610"/>
+          </a:xfrm>
+          <a:prstGeom prst="rect">
+            <a:avLst/>
+          </a:prstGeom>
+          <a:noFill/>
+        </p:spPr>
+        <p:txBody>
+          <a:bodyPr wrap="square">
+            <a:spAutoFit/>
+          </a:bodyPr>
+          <a:lstStyle>
+            <a:defPPr>
+              <a:defRPr lang="en-CH"/>
+            </a:defPPr>
+            <a:lvl1pPr algn="ctr">
+              <a:spcBef>
+                <a:spcPts val="0"/>
+              </a:spcBef>
+              <a:defRPr sz="1050">
+                <a:solidFill>
+                  <a:schemeClr val="bg2">
+                    <a:lumMod val="75000"/>
+                  </a:schemeClr>
+                </a:solidFill>
+                <a:latin typeface="Arial" panose="020B0604020202020204" pitchFamily="34" charset="0"/>
+              </a:defRPr>
+            </a:lvl1pPr>
+          </a:lstStyle>
+          <a:p>
+            <a:r>
+              <a:rPr lang="en-GB" dirty="0"/>
+              <a:t>© </a:t>
+            </a:r>
+            <a:r>
+              <a:rPr lang="en-GB" dirty="0" err="1"/>
+              <a:t>Dr.</a:t>
+            </a:r>
+            <a:r>
+              <a:rPr lang="en-GB" dirty="0"/>
+              <a:t> Umberto Michelucci - </a:t>
+            </a:r>
+            <a:r>
+              <a:rPr lang="en-GB" dirty="0" err="1"/>
+              <a:t>umberto.michelucci@toelt.ai</a:t>
+            </a:r>
+            <a:endParaRPr lang="en-GB" dirty="0"/>
           </a:p>
         </p:txBody>
       </p:sp>
@@ -6073,6 +6774,71 @@
           </a:extLst>
         </p:spPr>
       </p:pic>
+      <p:sp>
+        <p:nvSpPr>
+          <p:cNvPr id="4" name="TextBox 3">
+            <a:extLst>
+              <a:ext uri="{FF2B5EF4-FFF2-40B4-BE49-F238E27FC236}">
+                <a16:creationId xmlns:a16="http://schemas.microsoft.com/office/drawing/2014/main" id="{B55FCDA4-BDE5-6FE2-4B2B-7F18190FE486}"/>
+              </a:ext>
+            </a:extLst>
+          </p:cNvPr>
+          <p:cNvSpPr txBox="1"/>
+          <p:nvPr/>
+        </p:nvSpPr>
+        <p:spPr>
+          <a:xfrm rot="16200000">
+            <a:off x="-1847624" y="2440944"/>
+            <a:ext cx="3956859" cy="261610"/>
+          </a:xfrm>
+          <a:prstGeom prst="rect">
+            <a:avLst/>
+          </a:prstGeom>
+          <a:noFill/>
+        </p:spPr>
+        <p:txBody>
+          <a:bodyPr wrap="square">
+            <a:spAutoFit/>
+          </a:bodyPr>
+          <a:lstStyle>
+            <a:defPPr>
+              <a:defRPr lang="en-CH"/>
+            </a:defPPr>
+            <a:lvl1pPr algn="ctr">
+              <a:spcBef>
+                <a:spcPts val="0"/>
+              </a:spcBef>
+              <a:defRPr sz="1050">
+                <a:solidFill>
+                  <a:schemeClr val="bg2">
+                    <a:lumMod val="75000"/>
+                  </a:schemeClr>
+                </a:solidFill>
+                <a:latin typeface="Arial" panose="020B0604020202020204" pitchFamily="34" charset="0"/>
+              </a:defRPr>
+            </a:lvl1pPr>
+          </a:lstStyle>
+          <a:p>
+            <a:r>
+              <a:rPr lang="en-GB" dirty="0"/>
+              <a:t>© </a:t>
+            </a:r>
+            <a:r>
+              <a:rPr lang="en-GB" dirty="0" err="1"/>
+              <a:t>Dr.</a:t>
+            </a:r>
+            <a:r>
+              <a:rPr lang="en-GB" dirty="0"/>
+              <a:t> Umberto Michelucci - </a:t>
+            </a:r>
+            <a:r>
+              <a:rPr lang="en-GB" dirty="0" err="1"/>
+              <a:t>umberto.michelucci@toelt.ai</a:t>
+            </a:r>
+            <a:endParaRPr lang="en-GB" dirty="0"/>
+          </a:p>
+        </p:txBody>
+      </p:sp>
     </p:spTree>
     <p:extLst>
       <p:ext uri="{BB962C8B-B14F-4D97-AF65-F5344CB8AC3E}">
@@ -7197,6 +7963,71 @@
           </a:p>
         </p:txBody>
       </p:sp>
+      <p:sp>
+        <p:nvSpPr>
+          <p:cNvPr id="3" name="TextBox 2">
+            <a:extLst>
+              <a:ext uri="{FF2B5EF4-FFF2-40B4-BE49-F238E27FC236}">
+                <a16:creationId xmlns:a16="http://schemas.microsoft.com/office/drawing/2014/main" id="{44F58E28-53BA-C88D-3B01-BE7FE654CFFF}"/>
+              </a:ext>
+            </a:extLst>
+          </p:cNvPr>
+          <p:cNvSpPr txBox="1"/>
+          <p:nvPr/>
+        </p:nvSpPr>
+        <p:spPr>
+          <a:xfrm rot="16200000">
+            <a:off x="-1847624" y="2440944"/>
+            <a:ext cx="3956859" cy="261610"/>
+          </a:xfrm>
+          <a:prstGeom prst="rect">
+            <a:avLst/>
+          </a:prstGeom>
+          <a:noFill/>
+        </p:spPr>
+        <p:txBody>
+          <a:bodyPr wrap="square">
+            <a:spAutoFit/>
+          </a:bodyPr>
+          <a:lstStyle>
+            <a:defPPr>
+              <a:defRPr lang="en-CH"/>
+            </a:defPPr>
+            <a:lvl1pPr algn="ctr">
+              <a:spcBef>
+                <a:spcPts val="0"/>
+              </a:spcBef>
+              <a:defRPr sz="1050">
+                <a:solidFill>
+                  <a:schemeClr val="bg2">
+                    <a:lumMod val="75000"/>
+                  </a:schemeClr>
+                </a:solidFill>
+                <a:latin typeface="Arial" panose="020B0604020202020204" pitchFamily="34" charset="0"/>
+              </a:defRPr>
+            </a:lvl1pPr>
+          </a:lstStyle>
+          <a:p>
+            <a:r>
+              <a:rPr lang="en-GB" dirty="0"/>
+              <a:t>© </a:t>
+            </a:r>
+            <a:r>
+              <a:rPr lang="en-GB" dirty="0" err="1"/>
+              <a:t>Dr.</a:t>
+            </a:r>
+            <a:r>
+              <a:rPr lang="en-GB" dirty="0"/>
+              <a:t> Umberto Michelucci - </a:t>
+            </a:r>
+            <a:r>
+              <a:rPr lang="en-GB" dirty="0" err="1"/>
+              <a:t>umberto.michelucci@toelt.ai</a:t>
+            </a:r>
+            <a:endParaRPr lang="en-GB" dirty="0"/>
+          </a:p>
+        </p:txBody>
+      </p:sp>
     </p:spTree>
     <p:extLst>
       <p:ext uri="{BB962C8B-B14F-4D97-AF65-F5344CB8AC3E}">
@@ -8132,6 +8963,71 @@
           </a:fontRef>
         </p:style>
       </p:cxnSp>
+      <p:sp>
+        <p:nvSpPr>
+          <p:cNvPr id="6" name="TextBox 5">
+            <a:extLst>
+              <a:ext uri="{FF2B5EF4-FFF2-40B4-BE49-F238E27FC236}">
+                <a16:creationId xmlns:a16="http://schemas.microsoft.com/office/drawing/2014/main" id="{8305B684-9748-1B1A-4C67-0CCE26987B50}"/>
+              </a:ext>
+            </a:extLst>
+          </p:cNvPr>
+          <p:cNvSpPr txBox="1"/>
+          <p:nvPr/>
+        </p:nvSpPr>
+        <p:spPr>
+          <a:xfrm rot="16200000">
+            <a:off x="-1847624" y="2440944"/>
+            <a:ext cx="3956859" cy="261610"/>
+          </a:xfrm>
+          <a:prstGeom prst="rect">
+            <a:avLst/>
+          </a:prstGeom>
+          <a:noFill/>
+        </p:spPr>
+        <p:txBody>
+          <a:bodyPr wrap="square">
+            <a:spAutoFit/>
+          </a:bodyPr>
+          <a:lstStyle>
+            <a:defPPr>
+              <a:defRPr lang="en-CH"/>
+            </a:defPPr>
+            <a:lvl1pPr algn="ctr">
+              <a:spcBef>
+                <a:spcPts val="0"/>
+              </a:spcBef>
+              <a:defRPr sz="1050">
+                <a:solidFill>
+                  <a:schemeClr val="bg2">
+                    <a:lumMod val="75000"/>
+                  </a:schemeClr>
+                </a:solidFill>
+                <a:latin typeface="Arial" panose="020B0604020202020204" pitchFamily="34" charset="0"/>
+              </a:defRPr>
+            </a:lvl1pPr>
+          </a:lstStyle>
+          <a:p>
+            <a:r>
+              <a:rPr lang="en-GB" dirty="0"/>
+              <a:t>© </a:t>
+            </a:r>
+            <a:r>
+              <a:rPr lang="en-GB" dirty="0" err="1"/>
+              <a:t>Dr.</a:t>
+            </a:r>
+            <a:r>
+              <a:rPr lang="en-GB" dirty="0"/>
+              <a:t> Umberto Michelucci - </a:t>
+            </a:r>
+            <a:r>
+              <a:rPr lang="en-GB" dirty="0" err="1"/>
+              <a:t>umberto.michelucci@toelt.ai</a:t>
+            </a:r>
+            <a:endParaRPr lang="en-GB" dirty="0"/>
+          </a:p>
+        </p:txBody>
+      </p:sp>
     </p:spTree>
     <p:extLst>
       <p:ext uri="{BB962C8B-B14F-4D97-AF65-F5344CB8AC3E}">
@@ -8479,6 +9375,71 @@
           </a:fontRef>
         </p:style>
       </p:cxnSp>
+      <p:sp>
+        <p:nvSpPr>
+          <p:cNvPr id="3" name="TextBox 2">
+            <a:extLst>
+              <a:ext uri="{FF2B5EF4-FFF2-40B4-BE49-F238E27FC236}">
+                <a16:creationId xmlns:a16="http://schemas.microsoft.com/office/drawing/2014/main" id="{73A1BA68-0133-3A8D-2C35-B22FFBD14394}"/>
+              </a:ext>
+            </a:extLst>
+          </p:cNvPr>
+          <p:cNvSpPr txBox="1"/>
+          <p:nvPr/>
+        </p:nvSpPr>
+        <p:spPr>
+          <a:xfrm rot="16200000">
+            <a:off x="-1847624" y="2440944"/>
+            <a:ext cx="3956859" cy="261610"/>
+          </a:xfrm>
+          <a:prstGeom prst="rect">
+            <a:avLst/>
+          </a:prstGeom>
+          <a:noFill/>
+        </p:spPr>
+        <p:txBody>
+          <a:bodyPr wrap="square">
+            <a:spAutoFit/>
+          </a:bodyPr>
+          <a:lstStyle>
+            <a:defPPr>
+              <a:defRPr lang="en-CH"/>
+            </a:defPPr>
+            <a:lvl1pPr algn="ctr">
+              <a:spcBef>
+                <a:spcPts val="0"/>
+              </a:spcBef>
+              <a:defRPr sz="1050">
+                <a:solidFill>
+                  <a:schemeClr val="bg2">
+                    <a:lumMod val="75000"/>
+                  </a:schemeClr>
+                </a:solidFill>
+                <a:latin typeface="Arial" panose="020B0604020202020204" pitchFamily="34" charset="0"/>
+              </a:defRPr>
+            </a:lvl1pPr>
+          </a:lstStyle>
+          <a:p>
+            <a:r>
+              <a:rPr lang="en-GB" dirty="0"/>
+              <a:t>© </a:t>
+            </a:r>
+            <a:r>
+              <a:rPr lang="en-GB" dirty="0" err="1"/>
+              <a:t>Dr.</a:t>
+            </a:r>
+            <a:r>
+              <a:rPr lang="en-GB" dirty="0"/>
+              <a:t> Umberto Michelucci - </a:t>
+            </a:r>
+            <a:r>
+              <a:rPr lang="en-GB" dirty="0" err="1"/>
+              <a:t>umberto.michelucci@toelt.ai</a:t>
+            </a:r>
+            <a:endParaRPr lang="en-GB" dirty="0"/>
+          </a:p>
+        </p:txBody>
+      </p:sp>
     </p:spTree>
     <p:extLst>
       <p:ext uri="{BB962C8B-B14F-4D97-AF65-F5344CB8AC3E}">
